--- a/Java Урок 25-26 IO. Робота з файловою системою.pptx
+++ b/Java Урок 25-26 IO. Робота з файловою системою.pptx
@@ -249,7 +249,7 @@
           <a:p>
             <a:fld id="{20F2E273-995C-40FB-A568-578F87482CDD}" type="datetimeFigureOut">
               <a:rPr lang="uk-UA" smtClean="0"/>
-              <a:t>07.02.2024</a:t>
+              <a:t>17.04.2024</a:t>
             </a:fld>
             <a:endParaRPr lang="uk-UA"/>
           </a:p>
@@ -1528,7 +1528,7 @@
           <a:p>
             <a:fld id="{CCC96593-A158-4AE1-B26D-15D415E33B9D}" type="datetimeFigureOut">
               <a:rPr lang="uk-UA" smtClean="0"/>
-              <a:t>07.02.2024</a:t>
+              <a:t>17.04.2024</a:t>
             </a:fld>
             <a:endParaRPr lang="uk-UA"/>
           </a:p>
@@ -1728,7 +1728,7 @@
           <a:p>
             <a:fld id="{CCC96593-A158-4AE1-B26D-15D415E33B9D}" type="datetimeFigureOut">
               <a:rPr lang="uk-UA" smtClean="0"/>
-              <a:t>07.02.2024</a:t>
+              <a:t>17.04.2024</a:t>
             </a:fld>
             <a:endParaRPr lang="uk-UA"/>
           </a:p>
@@ -1938,7 +1938,7 @@
           <a:p>
             <a:fld id="{CCC96593-A158-4AE1-B26D-15D415E33B9D}" type="datetimeFigureOut">
               <a:rPr lang="uk-UA" smtClean="0"/>
-              <a:t>07.02.2024</a:t>
+              <a:t>17.04.2024</a:t>
             </a:fld>
             <a:endParaRPr lang="uk-UA"/>
           </a:p>
@@ -2138,7 +2138,7 @@
           <a:p>
             <a:fld id="{CCC96593-A158-4AE1-B26D-15D415E33B9D}" type="datetimeFigureOut">
               <a:rPr lang="uk-UA" smtClean="0"/>
-              <a:t>07.02.2024</a:t>
+              <a:t>17.04.2024</a:t>
             </a:fld>
             <a:endParaRPr lang="uk-UA"/>
           </a:p>
@@ -2414,7 +2414,7 @@
           <a:p>
             <a:fld id="{CCC96593-A158-4AE1-B26D-15D415E33B9D}" type="datetimeFigureOut">
               <a:rPr lang="uk-UA" smtClean="0"/>
-              <a:t>07.02.2024</a:t>
+              <a:t>17.04.2024</a:t>
             </a:fld>
             <a:endParaRPr lang="uk-UA"/>
           </a:p>
@@ -2682,7 +2682,7 @@
           <a:p>
             <a:fld id="{CCC96593-A158-4AE1-B26D-15D415E33B9D}" type="datetimeFigureOut">
               <a:rPr lang="uk-UA" smtClean="0"/>
-              <a:t>07.02.2024</a:t>
+              <a:t>17.04.2024</a:t>
             </a:fld>
             <a:endParaRPr lang="uk-UA"/>
           </a:p>
@@ -3097,7 +3097,7 @@
           <a:p>
             <a:fld id="{CCC96593-A158-4AE1-B26D-15D415E33B9D}" type="datetimeFigureOut">
               <a:rPr lang="uk-UA" smtClean="0"/>
-              <a:t>07.02.2024</a:t>
+              <a:t>17.04.2024</a:t>
             </a:fld>
             <a:endParaRPr lang="uk-UA"/>
           </a:p>
@@ -3239,7 +3239,7 @@
           <a:p>
             <a:fld id="{CCC96593-A158-4AE1-B26D-15D415E33B9D}" type="datetimeFigureOut">
               <a:rPr lang="uk-UA" smtClean="0"/>
-              <a:t>07.02.2024</a:t>
+              <a:t>17.04.2024</a:t>
             </a:fld>
             <a:endParaRPr lang="uk-UA"/>
           </a:p>
@@ -3352,7 +3352,7 @@
           <a:p>
             <a:fld id="{CCC96593-A158-4AE1-B26D-15D415E33B9D}" type="datetimeFigureOut">
               <a:rPr lang="uk-UA" smtClean="0"/>
-              <a:t>07.02.2024</a:t>
+              <a:t>17.04.2024</a:t>
             </a:fld>
             <a:endParaRPr lang="uk-UA"/>
           </a:p>
@@ -3665,7 +3665,7 @@
           <a:p>
             <a:fld id="{CCC96593-A158-4AE1-B26D-15D415E33B9D}" type="datetimeFigureOut">
               <a:rPr lang="uk-UA" smtClean="0"/>
-              <a:t>07.02.2024</a:t>
+              <a:t>17.04.2024</a:t>
             </a:fld>
             <a:endParaRPr lang="uk-UA"/>
           </a:p>
@@ -3954,7 +3954,7 @@
           <a:p>
             <a:fld id="{CCC96593-A158-4AE1-B26D-15D415E33B9D}" type="datetimeFigureOut">
               <a:rPr lang="uk-UA" smtClean="0"/>
-              <a:t>07.02.2024</a:t>
+              <a:t>17.04.2024</a:t>
             </a:fld>
             <a:endParaRPr lang="uk-UA"/>
           </a:p>
@@ -4197,7 +4197,7 @@
           <a:p>
             <a:fld id="{CCC96593-A158-4AE1-B26D-15D415E33B9D}" type="datetimeFigureOut">
               <a:rPr lang="uk-UA" smtClean="0"/>
-              <a:t>07.02.2024</a:t>
+              <a:t>17.04.2024</a:t>
             </a:fld>
             <a:endParaRPr lang="uk-UA"/>
           </a:p>
@@ -4878,12 +4878,12 @@
           <a:graphicData uri="http://schemas.openxmlformats.org/presentationml/2006/ole">
             <mc:AlternateContent xmlns:mc="http://schemas.openxmlformats.org/markup-compatibility/2006">
               <mc:Choice xmlns:v="urn:schemas-microsoft-com:vml" Requires="v">
-                <p:oleObj spid="_x0000_s1042" name="Visio" r:id="rId3" imgW="5353099" imgH="3676628" progId="Visio.Drawing.11">
+                <p:oleObj name="Visio" r:id="rId2" imgW="5353099" imgH="3676628" progId="Visio.Drawing.11">
                   <p:embed/>
                 </p:oleObj>
               </mc:Choice>
               <mc:Fallback>
-                <p:oleObj name="Visio" r:id="rId3" imgW="5353099" imgH="3676628" progId="Visio.Drawing.11">
+                <p:oleObj name="Visio" r:id="rId2" imgW="5353099" imgH="3676628" progId="Visio.Drawing.11">
                   <p:embed/>
                   <p:pic>
                     <p:nvPicPr>
@@ -4894,7 +4894,7 @@
                       <p:nvPr/>
                     </p:nvPicPr>
                     <p:blipFill>
-                      <a:blip r:embed="rId4"/>
+                      <a:blip r:embed="rId3"/>
                       <a:srcRect/>
                       <a:stretch>
                         <a:fillRect/>
@@ -5141,7 +5141,7 @@
           <p:nvPr/>
         </p:nvPicPr>
         <p:blipFill>
-          <a:blip r:embed="rId5"/>
+          <a:blip r:embed="rId4"/>
           <a:stretch>
             <a:fillRect/>
           </a:stretch>
@@ -5246,12 +5246,12 @@
           <a:graphicData uri="http://schemas.openxmlformats.org/presentationml/2006/ole">
             <mc:AlternateContent xmlns:mc="http://schemas.openxmlformats.org/markup-compatibility/2006">
               <mc:Choice xmlns:v="urn:schemas-microsoft-com:vml" Requires="v">
-                <p:oleObj spid="_x0000_s2066" name="Visio" r:id="rId3" imgW="5772066" imgH="2667300" progId="Visio.Drawing.11">
+                <p:oleObj name="Visio" r:id="rId2" imgW="5772066" imgH="2667300" progId="Visio.Drawing.11">
                   <p:embed/>
                 </p:oleObj>
               </mc:Choice>
               <mc:Fallback>
-                <p:oleObj name="Visio" r:id="rId3" imgW="5772066" imgH="2667300" progId="Visio.Drawing.11">
+                <p:oleObj name="Visio" r:id="rId2" imgW="5772066" imgH="2667300" progId="Visio.Drawing.11">
                   <p:embed/>
                   <p:pic>
                     <p:nvPicPr>
@@ -5262,7 +5262,7 @@
                       <p:nvPr/>
                     </p:nvPicPr>
                     <p:blipFill>
-                      <a:blip r:embed="rId4"/>
+                      <a:blip r:embed="rId3"/>
                       <a:srcRect/>
                       <a:stretch>
                         <a:fillRect/>
@@ -5688,12 +5688,12 @@
           <a:graphicData uri="http://schemas.openxmlformats.org/presentationml/2006/ole">
             <mc:AlternateContent xmlns:mc="http://schemas.openxmlformats.org/markup-compatibility/2006">
               <mc:Choice xmlns:v="urn:schemas-microsoft-com:vml" Requires="v">
-                <p:oleObj spid="_x0000_s3106" name="Visio" r:id="rId3" imgW="5310277" imgH="3073464" progId="Visio.Drawing.11">
+                <p:oleObj name="Visio" r:id="rId2" imgW="5310277" imgH="3073464" progId="Visio.Drawing.11">
                   <p:embed/>
                 </p:oleObj>
               </mc:Choice>
               <mc:Fallback>
-                <p:oleObj name="Visio" r:id="rId3" imgW="5310277" imgH="3073464" progId="Visio.Drawing.11">
+                <p:oleObj name="Visio" r:id="rId2" imgW="5310277" imgH="3073464" progId="Visio.Drawing.11">
                   <p:embed/>
                   <p:pic>
                     <p:nvPicPr>
@@ -5704,7 +5704,7 @@
                       <p:nvPr/>
                     </p:nvPicPr>
                     <p:blipFill>
-                      <a:blip r:embed="rId4">
+                      <a:blip r:embed="rId3">
                         <a:extLst>
                           <a:ext uri="{28A0092B-C50C-407E-A947-70E740481C1C}">
                             <a14:useLocalDpi xmlns:a14="http://schemas.microsoft.com/office/drawing/2010/main" val="0"/>
@@ -5958,12 +5958,12 @@
           <a:graphicData uri="http://schemas.openxmlformats.org/presentationml/2006/ole">
             <mc:AlternateContent xmlns:mc="http://schemas.openxmlformats.org/markup-compatibility/2006">
               <mc:Choice xmlns:v="urn:schemas-microsoft-com:vml" Requires="v">
-                <p:oleObj spid="_x0000_s3107" name="Visio" r:id="rId5" imgW="3565649" imgH="325810" progId="Visio.Drawing.11">
+                <p:oleObj name="Visio" r:id="rId4" imgW="3565649" imgH="325810" progId="Visio.Drawing.11">
                   <p:embed/>
                 </p:oleObj>
               </mc:Choice>
               <mc:Fallback>
-                <p:oleObj name="Visio" r:id="rId5" imgW="3565649" imgH="325810" progId="Visio.Drawing.11">
+                <p:oleObj name="Visio" r:id="rId4" imgW="3565649" imgH="325810" progId="Visio.Drawing.11">
                   <p:embed/>
                   <p:pic>
                     <p:nvPicPr>
@@ -5974,7 +5974,7 @@
                       <p:nvPr/>
                     </p:nvPicPr>
                     <p:blipFill>
-                      <a:blip r:embed="rId6">
+                      <a:blip r:embed="rId5">
                         <a:extLst>
                           <a:ext uri="{28A0092B-C50C-407E-A947-70E740481C1C}">
                             <a14:useLocalDpi xmlns:a14="http://schemas.microsoft.com/office/drawing/2010/main" val="0"/>
@@ -6547,12 +6547,12 @@
           <a:graphicData uri="http://schemas.openxmlformats.org/presentationml/2006/ole">
             <mc:AlternateContent xmlns:mc="http://schemas.openxmlformats.org/markup-compatibility/2006">
               <mc:Choice xmlns:v="urn:schemas-microsoft-com:vml" Requires="v">
-                <p:oleObj spid="_x0000_s4130" name="Visio" r:id="rId3" imgW="5645543" imgH="3746138" progId="Visio.Drawing.11">
+                <p:oleObj name="Visio" r:id="rId2" imgW="5645543" imgH="3746138" progId="Visio.Drawing.11">
                   <p:embed/>
                 </p:oleObj>
               </mc:Choice>
               <mc:Fallback>
-                <p:oleObj name="Visio" r:id="rId3" imgW="5645543" imgH="3746138" progId="Visio.Drawing.11">
+                <p:oleObj name="Visio" r:id="rId2" imgW="5645543" imgH="3746138" progId="Visio.Drawing.11">
                   <p:embed/>
                   <p:pic>
                     <p:nvPicPr>
@@ -6563,7 +6563,7 @@
                       <p:nvPr/>
                     </p:nvPicPr>
                     <p:blipFill>
-                      <a:blip r:embed="rId4">
+                      <a:blip r:embed="rId3">
                         <a:extLst>
                           <a:ext uri="{28A0092B-C50C-407E-A947-70E740481C1C}">
                             <a14:useLocalDpi xmlns:a14="http://schemas.microsoft.com/office/drawing/2010/main" val="0"/>
@@ -6817,12 +6817,12 @@
           <a:graphicData uri="http://schemas.openxmlformats.org/presentationml/2006/ole">
             <mc:AlternateContent xmlns:mc="http://schemas.openxmlformats.org/markup-compatibility/2006">
               <mc:Choice xmlns:v="urn:schemas-microsoft-com:vml" Requires="v">
-                <p:oleObj spid="_x0000_s4131" name="Visio" r:id="rId5" imgW="2038414" imgH="476545" progId="Visio.Drawing.11">
+                <p:oleObj name="Visio" r:id="rId4" imgW="2038414" imgH="476545" progId="Visio.Drawing.11">
                   <p:embed/>
                 </p:oleObj>
               </mc:Choice>
               <mc:Fallback>
-                <p:oleObj name="Visio" r:id="rId5" imgW="2038414" imgH="476545" progId="Visio.Drawing.11">
+                <p:oleObj name="Visio" r:id="rId4" imgW="2038414" imgH="476545" progId="Visio.Drawing.11">
                   <p:embed/>
                   <p:pic>
                     <p:nvPicPr>
@@ -6833,7 +6833,7 @@
                       <p:nvPr/>
                     </p:nvPicPr>
                     <p:blipFill>
-                      <a:blip r:embed="rId6"/>
+                      <a:blip r:embed="rId5"/>
                       <a:srcRect/>
                       <a:stretch>
                         <a:fillRect/>
@@ -7252,12 +7252,12 @@
           <a:graphicData uri="http://schemas.openxmlformats.org/presentationml/2006/ole">
             <mc:AlternateContent xmlns:mc="http://schemas.openxmlformats.org/markup-compatibility/2006">
               <mc:Choice xmlns:v="urn:schemas-microsoft-com:vml" Requires="v">
-                <p:oleObj spid="_x0000_s5154" name="Visio" r:id="rId3" imgW="5645543" imgH="1395017" progId="Visio.Drawing.11">
+                <p:oleObj name="Visio" r:id="rId2" imgW="5645543" imgH="1395017" progId="Visio.Drawing.11">
                   <p:embed/>
                 </p:oleObj>
               </mc:Choice>
               <mc:Fallback>
-                <p:oleObj name="Visio" r:id="rId3" imgW="5645543" imgH="1395017" progId="Visio.Drawing.11">
+                <p:oleObj name="Visio" r:id="rId2" imgW="5645543" imgH="1395017" progId="Visio.Drawing.11">
                   <p:embed/>
                   <p:pic>
                     <p:nvPicPr>
@@ -7268,7 +7268,7 @@
                       <p:nvPr/>
                     </p:nvPicPr>
                     <p:blipFill>
-                      <a:blip r:embed="rId4">
+                      <a:blip r:embed="rId3">
                         <a:extLst>
                           <a:ext uri="{28A0092B-C50C-407E-A947-70E740481C1C}">
                             <a14:useLocalDpi xmlns:a14="http://schemas.microsoft.com/office/drawing/2010/main" val="0"/>
@@ -7522,12 +7522,12 @@
           <a:graphicData uri="http://schemas.openxmlformats.org/presentationml/2006/ole">
             <mc:AlternateContent xmlns:mc="http://schemas.openxmlformats.org/markup-compatibility/2006">
               <mc:Choice xmlns:v="urn:schemas-microsoft-com:vml" Requires="v">
-                <p:oleObj spid="_x0000_s5155" name="Visio" r:id="rId5" imgW="358481" imgH="749066" progId="Visio.Drawing.11">
+                <p:oleObj name="Visio" r:id="rId4" imgW="358481" imgH="749066" progId="Visio.Drawing.11">
                   <p:embed/>
                 </p:oleObj>
               </mc:Choice>
               <mc:Fallback>
-                <p:oleObj name="Visio" r:id="rId5" imgW="358481" imgH="749066" progId="Visio.Drawing.11">
+                <p:oleObj name="Visio" r:id="rId4" imgW="358481" imgH="749066" progId="Visio.Drawing.11">
                   <p:embed/>
                   <p:pic>
                     <p:nvPicPr>
@@ -7538,7 +7538,7 @@
                       <p:nvPr/>
                     </p:nvPicPr>
                     <p:blipFill>
-                      <a:blip r:embed="rId6">
+                      <a:blip r:embed="rId5">
                         <a:extLst>
                           <a:ext uri="{28A0092B-C50C-407E-A947-70E740481C1C}">
                             <a14:useLocalDpi xmlns:a14="http://schemas.microsoft.com/office/drawing/2010/main" val="0"/>
@@ -8482,12 +8482,16 @@
           <a:p>
             <a:pPr algn="ctr"/>
             <a:r>
-              <a:rPr lang="uk-UA" dirty="0">
-                <a:latin typeface="Times New Roman" panose="02020603050405020304" pitchFamily="18" charset="0"/>
-                <a:cs typeface="Times New Roman" panose="02020603050405020304" pitchFamily="18" charset="0"/>
-              </a:rPr>
-              <a:t>Читачі</a:t>
-            </a:r>
+              <a:rPr lang="en-US" dirty="0">
+                <a:latin typeface="Times New Roman" panose="02020603050405020304" pitchFamily="18" charset="0"/>
+                <a:cs typeface="Times New Roman" panose="02020603050405020304" pitchFamily="18" charset="0"/>
+              </a:rPr>
+              <a:t>Reader</a:t>
+            </a:r>
+            <a:endParaRPr lang="uk-UA" dirty="0">
+              <a:latin typeface="Times New Roman" panose="02020603050405020304" pitchFamily="18" charset="0"/>
+              <a:cs typeface="Times New Roman" panose="02020603050405020304" pitchFamily="18" charset="0"/>
+            </a:endParaRPr>
           </a:p>
         </p:txBody>
       </p:sp>
@@ -8824,12 +8828,16 @@
           <a:p>
             <a:pPr algn="ctr"/>
             <a:r>
-              <a:rPr lang="uk-UA" dirty="0">
-                <a:latin typeface="Times New Roman" panose="02020603050405020304" pitchFamily="18" charset="0"/>
-                <a:cs typeface="Times New Roman" panose="02020603050405020304" pitchFamily="18" charset="0"/>
-              </a:rPr>
-              <a:t>Письменники</a:t>
-            </a:r>
+              <a:rPr lang="en-US" dirty="0">
+                <a:latin typeface="Times New Roman" panose="02020603050405020304" pitchFamily="18" charset="0"/>
+                <a:cs typeface="Times New Roman" panose="02020603050405020304" pitchFamily="18" charset="0"/>
+              </a:rPr>
+              <a:t>Writer</a:t>
+            </a:r>
+            <a:endParaRPr lang="uk-UA" dirty="0">
+              <a:latin typeface="Times New Roman" panose="02020603050405020304" pitchFamily="18" charset="0"/>
+              <a:cs typeface="Times New Roman" panose="02020603050405020304" pitchFamily="18" charset="0"/>
+            </a:endParaRPr>
           </a:p>
         </p:txBody>
       </p:sp>
@@ -8951,8 +8959,19 @@
                 <a:latin typeface="Times New Roman" panose="02020603050405020304" pitchFamily="18" charset="0"/>
                 <a:cs typeface="Times New Roman" panose="02020603050405020304" pitchFamily="18" charset="0"/>
               </a:rPr>
-              <a:t>Фільтруючий письменник</a:t>
-            </a:r>
+              <a:t>Фільтруючий </a:t>
+            </a:r>
+            <a:r>
+              <a:rPr lang="en-US" b="1">
+                <a:latin typeface="Times New Roman" panose="02020603050405020304" pitchFamily="18" charset="0"/>
+                <a:cs typeface="Times New Roman" panose="02020603050405020304" pitchFamily="18" charset="0"/>
+              </a:rPr>
+              <a:t>Writer</a:t>
+            </a:r>
+            <a:endParaRPr lang="uk-UA" dirty="0">
+              <a:latin typeface="Times New Roman" panose="02020603050405020304" pitchFamily="18" charset="0"/>
+              <a:cs typeface="Times New Roman" panose="02020603050405020304" pitchFamily="18" charset="0"/>
+            </a:endParaRPr>
           </a:p>
           <a:p>
             <a:r>
@@ -9528,12 +9547,12 @@
           <a:graphicData uri="http://schemas.openxmlformats.org/presentationml/2006/ole">
             <mc:AlternateContent xmlns:mc="http://schemas.openxmlformats.org/markup-compatibility/2006">
               <mc:Choice xmlns:v="urn:schemas-microsoft-com:vml" Requires="v">
-                <p:oleObj spid="_x0000_s6161" name="Visio" r:id="rId4" imgW="3905450" imgH="1838525" progId="Visio.Drawing.11">
+                <p:oleObj name="Visio" r:id="rId3" imgW="3905450" imgH="1838525" progId="Visio.Drawing.11">
                   <p:embed/>
                 </p:oleObj>
               </mc:Choice>
               <mc:Fallback>
-                <p:oleObj name="Visio" r:id="rId4" imgW="3905450" imgH="1838525" progId="Visio.Drawing.11">
+                <p:oleObj name="Visio" r:id="rId3" imgW="3905450" imgH="1838525" progId="Visio.Drawing.11">
                   <p:embed/>
                   <p:pic>
                     <p:nvPicPr>
@@ -9544,7 +9563,7 @@
                       <p:nvPr/>
                     </p:nvPicPr>
                     <p:blipFill>
-                      <a:blip r:embed="rId5"/>
+                      <a:blip r:embed="rId4"/>
                       <a:srcRect/>
                       <a:stretch>
                         <a:fillRect/>
@@ -11941,12 +11960,12 @@
           <a:graphicData uri="http://schemas.openxmlformats.org/presentationml/2006/ole">
             <mc:AlternateContent xmlns:mc="http://schemas.openxmlformats.org/markup-compatibility/2006">
               <mc:Choice xmlns:v="urn:schemas-microsoft-com:vml" Requires="v">
-                <p:oleObj spid="_x0000_s7198" name="Visio" r:id="rId4" imgW="5477910" imgH="2903676" progId="Visio.Drawing.11">
+                <p:oleObj name="Visio" r:id="rId3" imgW="5477910" imgH="2903676" progId="Visio.Drawing.11">
                   <p:embed/>
                 </p:oleObj>
               </mc:Choice>
               <mc:Fallback>
-                <p:oleObj name="Visio" r:id="rId4" imgW="5477910" imgH="2903676" progId="Visio.Drawing.11">
+                <p:oleObj name="Visio" r:id="rId3" imgW="5477910" imgH="2903676" progId="Visio.Drawing.11">
                   <p:embed/>
                   <p:pic>
                     <p:nvPicPr>
@@ -11957,7 +11976,7 @@
                       <p:nvPr/>
                     </p:nvPicPr>
                     <p:blipFill>
-                      <a:blip r:embed="rId5">
+                      <a:blip r:embed="rId4">
                         <a:extLst>
                           <a:ext uri="{28A0092B-C50C-407E-A947-70E740481C1C}">
                             <a14:useLocalDpi xmlns:a14="http://schemas.microsoft.com/office/drawing/2010/main" val="0"/>
@@ -12211,12 +12230,12 @@
           <a:graphicData uri="http://schemas.openxmlformats.org/presentationml/2006/ole">
             <mc:AlternateContent xmlns:mc="http://schemas.openxmlformats.org/markup-compatibility/2006">
               <mc:Choice xmlns:v="urn:schemas-microsoft-com:vml" Requires="v">
-                <p:oleObj spid="_x0000_s7199" name="Visio" r:id="rId6" imgW="2038414" imgH="295568" progId="Visio.Drawing.11">
+                <p:oleObj name="Visio" r:id="rId5" imgW="2038414" imgH="295568" progId="Visio.Drawing.11">
                   <p:embed/>
                 </p:oleObj>
               </mc:Choice>
               <mc:Fallback>
-                <p:oleObj name="Visio" r:id="rId6" imgW="2038414" imgH="295568" progId="Visio.Drawing.11">
+                <p:oleObj name="Visio" r:id="rId5" imgW="2038414" imgH="295568" progId="Visio.Drawing.11">
                   <p:embed/>
                   <p:pic>
                     <p:nvPicPr>
@@ -12227,7 +12246,7 @@
                       <p:nvPr/>
                     </p:nvPicPr>
                     <p:blipFill>
-                      <a:blip r:embed="rId7"/>
+                      <a:blip r:embed="rId6"/>
                       <a:srcRect/>
                       <a:stretch>
                         <a:fillRect/>
@@ -12692,12 +12711,12 @@
           <a:graphicData uri="http://schemas.openxmlformats.org/presentationml/2006/ole">
             <mc:AlternateContent xmlns:mc="http://schemas.openxmlformats.org/markup-compatibility/2006">
               <mc:Choice xmlns:v="urn:schemas-microsoft-com:vml" Requires="v">
-                <p:oleObj spid="_x0000_s8208" name="Visio" r:id="rId4" imgW="3777013" imgH="1117795" progId="Visio.Drawing.11">
+                <p:oleObj name="Visio" r:id="rId3" imgW="3777013" imgH="1117795" progId="Visio.Drawing.11">
                   <p:embed/>
                 </p:oleObj>
               </mc:Choice>
               <mc:Fallback>
-                <p:oleObj name="Visio" r:id="rId4" imgW="3777013" imgH="1117795" progId="Visio.Drawing.11">
+                <p:oleObj name="Visio" r:id="rId3" imgW="3777013" imgH="1117795" progId="Visio.Drawing.11">
                   <p:embed/>
                   <p:pic>
                     <p:nvPicPr>
@@ -12708,7 +12727,7 @@
                       <p:nvPr/>
                     </p:nvPicPr>
                     <p:blipFill>
-                      <a:blip r:embed="rId5">
+                      <a:blip r:embed="rId4">
                         <a:extLst>
                           <a:ext uri="{28A0092B-C50C-407E-A947-70E740481C1C}">
                             <a14:useLocalDpi xmlns:a14="http://schemas.microsoft.com/office/drawing/2010/main" val="0"/>
@@ -12836,12 +12855,12 @@
           <a:graphicData uri="http://schemas.openxmlformats.org/presentationml/2006/ole">
             <mc:AlternateContent xmlns:mc="http://schemas.openxmlformats.org/markup-compatibility/2006">
               <mc:Choice xmlns:v="urn:schemas-microsoft-com:vml" Requires="v">
-                <p:oleObj spid="_x0000_s9246" name="Visio" r:id="rId3" imgW="5553108" imgH="3333702" progId="Visio.Drawing.11">
+                <p:oleObj name="Visio" r:id="rId2" imgW="5553108" imgH="3333702" progId="Visio.Drawing.11">
                   <p:embed/>
                 </p:oleObj>
               </mc:Choice>
               <mc:Fallback>
-                <p:oleObj name="Visio" r:id="rId3" imgW="5553108" imgH="3333702" progId="Visio.Drawing.11">
+                <p:oleObj name="Visio" r:id="rId2" imgW="5553108" imgH="3333702" progId="Visio.Drawing.11">
                   <p:embed/>
                   <p:pic>
                     <p:nvPicPr>
@@ -12852,7 +12871,7 @@
                       <p:nvPr/>
                     </p:nvPicPr>
                     <p:blipFill>
-                      <a:blip r:embed="rId4"/>
+                      <a:blip r:embed="rId3"/>
                       <a:srcRect/>
                       <a:stretch>
                         <a:fillRect/>
@@ -12913,12 +12932,12 @@
           <a:graphicData uri="http://schemas.openxmlformats.org/presentationml/2006/ole">
             <mc:AlternateContent xmlns:mc="http://schemas.openxmlformats.org/markup-compatibility/2006">
               <mc:Choice xmlns:v="urn:schemas-microsoft-com:vml" Requires="v">
-                <p:oleObj spid="_x0000_s9247" name="Visio" r:id="rId5" imgW="2038414" imgH="295568" progId="Visio.Drawing.11">
+                <p:oleObj name="Visio" r:id="rId4" imgW="2038414" imgH="295568" progId="Visio.Drawing.11">
                   <p:embed/>
                 </p:oleObj>
               </mc:Choice>
               <mc:Fallback>
-                <p:oleObj name="Visio" r:id="rId5" imgW="2038414" imgH="295568" progId="Visio.Drawing.11">
+                <p:oleObj name="Visio" r:id="rId4" imgW="2038414" imgH="295568" progId="Visio.Drawing.11">
                   <p:embed/>
                   <p:pic>
                     <p:nvPicPr>
@@ -12929,7 +12948,7 @@
                       <p:nvPr/>
                     </p:nvPicPr>
                     <p:blipFill>
-                      <a:blip r:embed="rId6"/>
+                      <a:blip r:embed="rId5"/>
                       <a:srcRect/>
                       <a:stretch>
                         <a:fillRect/>
@@ -13497,12 +13516,12 @@
           <a:graphicData uri="http://schemas.openxmlformats.org/presentationml/2006/ole">
             <mc:AlternateContent xmlns:mc="http://schemas.openxmlformats.org/markup-compatibility/2006">
               <mc:Choice xmlns:v="urn:schemas-microsoft-com:vml" Requires="v">
-                <p:oleObj spid="_x0000_s10256" name="Visio" r:id="rId3" imgW="3905450" imgH="1838525" progId="Visio.Drawing.11">
+                <p:oleObj name="Visio" r:id="rId2" imgW="3905450" imgH="1838525" progId="Visio.Drawing.11">
                   <p:embed/>
                 </p:oleObj>
               </mc:Choice>
               <mc:Fallback>
-                <p:oleObj name="Visio" r:id="rId3" imgW="3905450" imgH="1838525" progId="Visio.Drawing.11">
+                <p:oleObj name="Visio" r:id="rId2" imgW="3905450" imgH="1838525" progId="Visio.Drawing.11">
                   <p:embed/>
                   <p:pic>
                     <p:nvPicPr>
@@ -13519,7 +13538,7 @@
                       <p:nvPr/>
                     </p:nvPicPr>
                     <p:blipFill>
-                      <a:blip r:embed="rId4"/>
+                      <a:blip r:embed="rId3"/>
                       <a:srcRect/>
                       <a:stretch>
                         <a:fillRect/>
@@ -14097,12 +14116,12 @@
           <a:graphicData uri="http://schemas.openxmlformats.org/presentationml/2006/ole">
             <mc:AlternateContent xmlns:mc="http://schemas.openxmlformats.org/markup-compatibility/2006">
               <mc:Choice xmlns:v="urn:schemas-microsoft-com:vml" Requires="v">
-                <p:oleObj spid="_x0000_s11294" name="Visio" r:id="rId3" imgW="2926969" imgH="1270847" progId="Visio.Drawing.11">
+                <p:oleObj name="Visio" r:id="rId2" imgW="2926969" imgH="1270847" progId="Visio.Drawing.11">
                   <p:embed/>
                 </p:oleObj>
               </mc:Choice>
               <mc:Fallback>
-                <p:oleObj name="Visio" r:id="rId3" imgW="2926969" imgH="1270847" progId="Visio.Drawing.11">
+                <p:oleObj name="Visio" r:id="rId2" imgW="2926969" imgH="1270847" progId="Visio.Drawing.11">
                   <p:embed/>
                   <p:pic>
                     <p:nvPicPr>
@@ -14113,7 +14132,7 @@
                       <p:nvPr/>
                     </p:nvPicPr>
                     <p:blipFill>
-                      <a:blip r:embed="rId4">
+                      <a:blip r:embed="rId3">
                         <a:extLst>
                           <a:ext uri="{28A0092B-C50C-407E-A947-70E740481C1C}">
                             <a14:useLocalDpi xmlns:a14="http://schemas.microsoft.com/office/drawing/2010/main" val="0"/>
@@ -14180,12 +14199,12 @@
           <a:graphicData uri="http://schemas.openxmlformats.org/presentationml/2006/ole">
             <mc:AlternateContent xmlns:mc="http://schemas.openxmlformats.org/markup-compatibility/2006">
               <mc:Choice xmlns:v="urn:schemas-microsoft-com:vml" Requires="v">
-                <p:oleObj spid="_x0000_s11295" name="Visio" r:id="rId5" imgW="2926969" imgH="1270847" progId="Visio.Drawing.11">
+                <p:oleObj name="Visio" r:id="rId4" imgW="2926969" imgH="1270847" progId="Visio.Drawing.11">
                   <p:embed/>
                 </p:oleObj>
               </mc:Choice>
               <mc:Fallback>
-                <p:oleObj name="Visio" r:id="rId5" imgW="2926969" imgH="1270847" progId="Visio.Drawing.11">
+                <p:oleObj name="Visio" r:id="rId4" imgW="2926969" imgH="1270847" progId="Visio.Drawing.11">
                   <p:embed/>
                   <p:pic>
                     <p:nvPicPr>
@@ -14196,7 +14215,7 @@
                       <p:nvPr/>
                     </p:nvPicPr>
                     <p:blipFill>
-                      <a:blip r:embed="rId6">
+                      <a:blip r:embed="rId5">
                         <a:extLst>
                           <a:ext uri="{28A0092B-C50C-407E-A947-70E740481C1C}">
                             <a14:useLocalDpi xmlns:a14="http://schemas.microsoft.com/office/drawing/2010/main" val="0"/>
@@ -14977,12 +14996,12 @@
           <a:graphicData uri="http://schemas.openxmlformats.org/presentationml/2006/ole">
             <mc:AlternateContent xmlns:mc="http://schemas.openxmlformats.org/markup-compatibility/2006">
               <mc:Choice xmlns:v="urn:schemas-microsoft-com:vml" Requires="v">
-                <p:oleObj spid="_x0000_s12318" name="Visio" r:id="rId3" imgW="1981636" imgH="901848" progId="Visio.Drawing.11">
+                <p:oleObj name="Visio" r:id="rId2" imgW="1981636" imgH="901848" progId="Visio.Drawing.11">
                   <p:embed/>
                 </p:oleObj>
               </mc:Choice>
               <mc:Fallback>
-                <p:oleObj name="Visio" r:id="rId3" imgW="1981636" imgH="901848" progId="Visio.Drawing.11">
+                <p:oleObj name="Visio" r:id="rId2" imgW="1981636" imgH="901848" progId="Visio.Drawing.11">
                   <p:embed/>
                   <p:pic>
                     <p:nvPicPr>
@@ -14993,7 +15012,7 @@
                       <p:nvPr/>
                     </p:nvPicPr>
                     <p:blipFill>
-                      <a:blip r:embed="rId4">
+                      <a:blip r:embed="rId3">
                         <a:extLst>
                           <a:ext uri="{28A0092B-C50C-407E-A947-70E740481C1C}">
                             <a14:useLocalDpi xmlns:a14="http://schemas.microsoft.com/office/drawing/2010/main" val="0"/>
@@ -15066,12 +15085,12 @@
           <a:graphicData uri="http://schemas.openxmlformats.org/presentationml/2006/ole">
             <mc:AlternateContent xmlns:mc="http://schemas.openxmlformats.org/markup-compatibility/2006">
               <mc:Choice xmlns:v="urn:schemas-microsoft-com:vml" Requires="v">
-                <p:oleObj spid="_x0000_s12319" name="Visio" r:id="rId5" imgW="1981636" imgH="901848" progId="Visio.Drawing.11">
+                <p:oleObj name="Visio" r:id="rId4" imgW="1981636" imgH="901848" progId="Visio.Drawing.11">
                   <p:embed/>
                 </p:oleObj>
               </mc:Choice>
               <mc:Fallback>
-                <p:oleObj name="Visio" r:id="rId5" imgW="1981636" imgH="901848" progId="Visio.Drawing.11">
+                <p:oleObj name="Visio" r:id="rId4" imgW="1981636" imgH="901848" progId="Visio.Drawing.11">
                   <p:embed/>
                   <p:pic>
                     <p:nvPicPr>
@@ -15082,7 +15101,7 @@
                       <p:nvPr/>
                     </p:nvPicPr>
                     <p:blipFill>
-                      <a:blip r:embed="rId6">
+                      <a:blip r:embed="rId5">
                         <a:extLst>
                           <a:ext uri="{28A0092B-C50C-407E-A947-70E740481C1C}">
                             <a14:useLocalDpi xmlns:a14="http://schemas.microsoft.com/office/drawing/2010/main" val="0"/>
@@ -15224,12 +15243,12 @@
           <a:graphicData uri="http://schemas.openxmlformats.org/presentationml/2006/ole">
             <mc:AlternateContent xmlns:mc="http://schemas.openxmlformats.org/markup-compatibility/2006">
               <mc:Choice xmlns:v="urn:schemas-microsoft-com:vml" Requires="v">
-                <p:oleObj spid="_x0000_s13356" name="Visio" r:id="rId3" imgW="3885259" imgH="1765636" progId="Visio.Drawing.11">
+                <p:oleObj name="Visio" r:id="rId2" imgW="3885259" imgH="1765636" progId="Visio.Drawing.11">
                   <p:embed/>
                 </p:oleObj>
               </mc:Choice>
               <mc:Fallback>
-                <p:oleObj name="Visio" r:id="rId3" imgW="3885259" imgH="1765636" progId="Visio.Drawing.11">
+                <p:oleObj name="Visio" r:id="rId2" imgW="3885259" imgH="1765636" progId="Visio.Drawing.11">
                   <p:embed/>
                   <p:pic>
                     <p:nvPicPr>
@@ -15240,7 +15259,7 @@
                       <p:nvPr/>
                     </p:nvPicPr>
                     <p:blipFill>
-                      <a:blip r:embed="rId4">
+                      <a:blip r:embed="rId3">
                         <a:extLst>
                           <a:ext uri="{28A0092B-C50C-407E-A947-70E740481C1C}">
                             <a14:useLocalDpi xmlns:a14="http://schemas.microsoft.com/office/drawing/2010/main" val="0"/>
@@ -15307,12 +15326,12 @@
           <a:graphicData uri="http://schemas.openxmlformats.org/presentationml/2006/ole">
             <mc:AlternateContent xmlns:mc="http://schemas.openxmlformats.org/markup-compatibility/2006">
               <mc:Choice xmlns:v="urn:schemas-microsoft-com:vml" Requires="v">
-                <p:oleObj spid="_x0000_s13357" name="Visio" r:id="rId5" imgW="5019609" imgH="2667300" progId="Visio.Drawing.11">
+                <p:oleObj name="Visio" r:id="rId4" imgW="5019609" imgH="2667300" progId="Visio.Drawing.11">
                   <p:embed/>
                 </p:oleObj>
               </mc:Choice>
               <mc:Fallback>
-                <p:oleObj name="Visio" r:id="rId5" imgW="5019609" imgH="2667300" progId="Visio.Drawing.11">
+                <p:oleObj name="Visio" r:id="rId4" imgW="5019609" imgH="2667300" progId="Visio.Drawing.11">
                   <p:embed/>
                   <p:pic>
                     <p:nvPicPr>
@@ -15323,7 +15342,7 @@
                       <p:nvPr/>
                     </p:nvPicPr>
                     <p:blipFill>
-                      <a:blip r:embed="rId6"/>
+                      <a:blip r:embed="rId5"/>
                       <a:srcRect/>
                       <a:stretch>
                         <a:fillRect/>
@@ -15571,12 +15590,12 @@
           <a:graphicData uri="http://schemas.openxmlformats.org/presentationml/2006/ole">
             <mc:AlternateContent xmlns:mc="http://schemas.openxmlformats.org/markup-compatibility/2006">
               <mc:Choice xmlns:v="urn:schemas-microsoft-com:vml" Requires="v">
-                <p:oleObj spid="_x0000_s13358" name="Visio" r:id="rId7" imgW="2057362" imgH="876555" progId="Visio.Drawing.11">
+                <p:oleObj name="Visio" r:id="rId6" imgW="2057362" imgH="876555" progId="Visio.Drawing.11">
                   <p:embed/>
                 </p:oleObj>
               </mc:Choice>
               <mc:Fallback>
-                <p:oleObj name="Visio" r:id="rId7" imgW="2057362" imgH="876555" progId="Visio.Drawing.11">
+                <p:oleObj name="Visio" r:id="rId6" imgW="2057362" imgH="876555" progId="Visio.Drawing.11">
                   <p:embed/>
                   <p:pic>
                     <p:nvPicPr>
@@ -15587,7 +15606,7 @@
                       <p:nvPr/>
                     </p:nvPicPr>
                     <p:blipFill>
-                      <a:blip r:embed="rId8"/>
+                      <a:blip r:embed="rId7"/>
                       <a:srcRect/>
                       <a:stretch>
                         <a:fillRect/>
@@ -17776,12 +17795,12 @@
           <a:graphicData uri="http://schemas.openxmlformats.org/presentationml/2006/ole">
             <mc:AlternateContent xmlns:mc="http://schemas.openxmlformats.org/markup-compatibility/2006">
               <mc:Choice xmlns:v="urn:schemas-microsoft-com:vml" Requires="v">
-                <p:oleObj spid="_x0000_s14352" name="Visio" r:id="rId3" imgW="5267200" imgH="2333676" progId="Visio.Drawing.11">
+                <p:oleObj name="Visio" r:id="rId2" imgW="5267200" imgH="2333676" progId="Visio.Drawing.11">
                   <p:embed/>
                 </p:oleObj>
               </mc:Choice>
               <mc:Fallback>
-                <p:oleObj name="Visio" r:id="rId3" imgW="5267200" imgH="2333676" progId="Visio.Drawing.11">
+                <p:oleObj name="Visio" r:id="rId2" imgW="5267200" imgH="2333676" progId="Visio.Drawing.11">
                   <p:embed/>
                   <p:pic>
                     <p:nvPicPr>
@@ -17792,7 +17811,7 @@
                       <p:nvPr/>
                     </p:nvPicPr>
                     <p:blipFill>
-                      <a:blip r:embed="rId4"/>
+                      <a:blip r:embed="rId3"/>
                       <a:srcRect/>
                       <a:stretch>
                         <a:fillRect/>
@@ -18039,7 +18058,7 @@
           <p:nvPr/>
         </p:nvPicPr>
         <p:blipFill>
-          <a:blip r:embed="rId5"/>
+          <a:blip r:embed="rId4"/>
           <a:stretch>
             <a:fillRect/>
           </a:stretch>
@@ -18742,12 +18761,12 @@
           <a:graphicData uri="http://schemas.openxmlformats.org/presentationml/2006/ole">
             <mc:AlternateContent xmlns:mc="http://schemas.openxmlformats.org/markup-compatibility/2006">
               <mc:Choice xmlns:v="urn:schemas-microsoft-com:vml" Requires="v">
-                <p:oleObj spid="_x0000_s15418" name="Visio" r:id="rId3" imgW="3717356" imgH="3429776" progId="Visio.Drawing.11">
+                <p:oleObj name="Visio" r:id="rId2" imgW="3717356" imgH="3429776" progId="Visio.Drawing.11">
                   <p:embed/>
                 </p:oleObj>
               </mc:Choice>
               <mc:Fallback>
-                <p:oleObj name="Visio" r:id="rId3" imgW="3717356" imgH="3429776" progId="Visio.Drawing.11">
+                <p:oleObj name="Visio" r:id="rId2" imgW="3717356" imgH="3429776" progId="Visio.Drawing.11">
                   <p:embed/>
                   <p:pic>
                     <p:nvPicPr>
@@ -18758,7 +18777,7 @@
                       <p:nvPr/>
                     </p:nvPicPr>
                     <p:blipFill>
-                      <a:blip r:embed="rId4">
+                      <a:blip r:embed="rId3">
                         <a:extLst>
                           <a:ext uri="{28A0092B-C50C-407E-A947-70E740481C1C}">
                             <a14:useLocalDpi xmlns:a14="http://schemas.microsoft.com/office/drawing/2010/main" val="0"/>
@@ -19386,12 +19405,12 @@
           <a:graphicData uri="http://schemas.openxmlformats.org/presentationml/2006/ole">
             <mc:AlternateContent xmlns:mc="http://schemas.openxmlformats.org/markup-compatibility/2006">
               <mc:Choice xmlns:v="urn:schemas-microsoft-com:vml" Requires="v">
-                <p:oleObj spid="_x0000_s15419" name="Visio" r:id="rId5" imgW="356322" imgH="1206063" progId="Visio.Drawing.11">
+                <p:oleObj name="Visio" r:id="rId4" imgW="356322" imgH="1206063" progId="Visio.Drawing.11">
                   <p:embed/>
                 </p:oleObj>
               </mc:Choice>
               <mc:Fallback>
-                <p:oleObj name="Visio" r:id="rId5" imgW="356322" imgH="1206063" progId="Visio.Drawing.11">
+                <p:oleObj name="Visio" r:id="rId4" imgW="356322" imgH="1206063" progId="Visio.Drawing.11">
                   <p:embed/>
                   <p:pic>
                     <p:nvPicPr>
@@ -19402,7 +19421,7 @@
                       <p:nvPr/>
                     </p:nvPicPr>
                     <p:blipFill>
-                      <a:blip r:embed="rId6">
+                      <a:blip r:embed="rId5">
                         <a:extLst>
                           <a:ext uri="{28A0092B-C50C-407E-A947-70E740481C1C}">
                             <a14:useLocalDpi xmlns:a14="http://schemas.microsoft.com/office/drawing/2010/main" val="0"/>
@@ -19469,12 +19488,12 @@
           <a:graphicData uri="http://schemas.openxmlformats.org/presentationml/2006/ole">
             <mc:AlternateContent xmlns:mc="http://schemas.openxmlformats.org/markup-compatibility/2006">
               <mc:Choice xmlns:v="urn:schemas-microsoft-com:vml" Requires="v">
-                <p:oleObj spid="_x0000_s15420" name="Visio" r:id="rId7" imgW="1266023" imgH="291798" progId="Visio.Drawing.11">
+                <p:oleObj name="Visio" r:id="rId6" imgW="1266023" imgH="291798" progId="Visio.Drawing.11">
                   <p:embed/>
                 </p:oleObj>
               </mc:Choice>
               <mc:Fallback>
-                <p:oleObj name="Visio" r:id="rId7" imgW="1266023" imgH="291798" progId="Visio.Drawing.11">
+                <p:oleObj name="Visio" r:id="rId6" imgW="1266023" imgH="291798" progId="Visio.Drawing.11">
                   <p:embed/>
                   <p:pic>
                     <p:nvPicPr>
@@ -19485,7 +19504,7 @@
                       <p:nvPr/>
                     </p:nvPicPr>
                     <p:blipFill>
-                      <a:blip r:embed="rId8">
+                      <a:blip r:embed="rId7">
                         <a:extLst>
                           <a:ext uri="{28A0092B-C50C-407E-A947-70E740481C1C}">
                             <a14:useLocalDpi xmlns:a14="http://schemas.microsoft.com/office/drawing/2010/main" val="0"/>
@@ -19552,12 +19571,12 @@
           <a:graphicData uri="http://schemas.openxmlformats.org/presentationml/2006/ole">
             <mc:AlternateContent xmlns:mc="http://schemas.openxmlformats.org/markup-compatibility/2006">
               <mc:Choice xmlns:v="urn:schemas-microsoft-com:vml" Requires="v">
-                <p:oleObj spid="_x0000_s15421" name="Visio" r:id="rId9" imgW="1335937" imgH="596553" progId="Visio.Drawing.11">
+                <p:oleObj name="Visio" r:id="rId8" imgW="1335937" imgH="596553" progId="Visio.Drawing.11">
                   <p:embed/>
                 </p:oleObj>
               </mc:Choice>
               <mc:Fallback>
-                <p:oleObj name="Visio" r:id="rId9" imgW="1335937" imgH="596553" progId="Visio.Drawing.11">
+                <p:oleObj name="Visio" r:id="rId8" imgW="1335937" imgH="596553" progId="Visio.Drawing.11">
                   <p:embed/>
                   <p:pic>
                     <p:nvPicPr>
@@ -19568,7 +19587,7 @@
                       <p:nvPr/>
                     </p:nvPicPr>
                     <p:blipFill>
-                      <a:blip r:embed="rId10">
+                      <a:blip r:embed="rId9">
                         <a:extLst>
                           <a:ext uri="{28A0092B-C50C-407E-A947-70E740481C1C}">
                             <a14:useLocalDpi xmlns:a14="http://schemas.microsoft.com/office/drawing/2010/main" val="0"/>
@@ -19934,12 +19953,12 @@
           <a:graphicData uri="http://schemas.openxmlformats.org/presentationml/2006/ole">
             <mc:AlternateContent xmlns:mc="http://schemas.openxmlformats.org/markup-compatibility/2006">
               <mc:Choice xmlns:v="urn:schemas-microsoft-com:vml" Requires="v">
-                <p:oleObj spid="_x0000_s16442" name="Visio" r:id="rId3" imgW="4286521" imgH="990723" progId="Visio.Drawing.11">
+                <p:oleObj name="Visio" r:id="rId2" imgW="4286521" imgH="990723" progId="Visio.Drawing.11">
                   <p:embed/>
                 </p:oleObj>
               </mc:Choice>
               <mc:Fallback>
-                <p:oleObj name="Visio" r:id="rId3" imgW="4286521" imgH="990723" progId="Visio.Drawing.11">
+                <p:oleObj name="Visio" r:id="rId2" imgW="4286521" imgH="990723" progId="Visio.Drawing.11">
                   <p:embed/>
                   <p:pic>
                     <p:nvPicPr>
@@ -19950,7 +19969,7 @@
                       <p:nvPr/>
                     </p:nvPicPr>
                     <p:blipFill>
-                      <a:blip r:embed="rId4"/>
+                      <a:blip r:embed="rId3"/>
                       <a:srcRect/>
                       <a:stretch>
                         <a:fillRect/>
@@ -20210,12 +20229,12 @@
           <a:graphicData uri="http://schemas.openxmlformats.org/presentationml/2006/ole">
             <mc:AlternateContent xmlns:mc="http://schemas.openxmlformats.org/markup-compatibility/2006">
               <mc:Choice xmlns:v="urn:schemas-microsoft-com:vml" Requires="v">
-                <p:oleObj spid="_x0000_s16443" name="Visio" r:id="rId5" imgW="1409752" imgH="600016" progId="Visio.Drawing.11">
+                <p:oleObj name="Visio" r:id="rId4" imgW="1409752" imgH="600016" progId="Visio.Drawing.11">
                   <p:embed/>
                 </p:oleObj>
               </mc:Choice>
               <mc:Fallback>
-                <p:oleObj name="Visio" r:id="rId5" imgW="1409752" imgH="600016" progId="Visio.Drawing.11">
+                <p:oleObj name="Visio" r:id="rId4" imgW="1409752" imgH="600016" progId="Visio.Drawing.11">
                   <p:embed/>
                   <p:pic>
                     <p:nvPicPr>
@@ -20226,7 +20245,7 @@
                       <p:nvPr/>
                     </p:nvPicPr>
                     <p:blipFill>
-                      <a:blip r:embed="rId6"/>
+                      <a:blip r:embed="rId5"/>
                       <a:srcRect/>
                       <a:stretch>
                         <a:fillRect/>
@@ -20560,12 +20579,12 @@
           <a:graphicData uri="http://schemas.openxmlformats.org/presentationml/2006/ole">
             <mc:AlternateContent xmlns:mc="http://schemas.openxmlformats.org/markup-compatibility/2006">
               <mc:Choice xmlns:v="urn:schemas-microsoft-com:vml" Requires="v">
-                <p:oleObj spid="_x0000_s16444" name="Visio" r:id="rId7" imgW="2419484" imgH="600016" progId="Visio.Drawing.11">
+                <p:oleObj name="Visio" r:id="rId6" imgW="2419484" imgH="600016" progId="Visio.Drawing.11">
                   <p:embed/>
                 </p:oleObj>
               </mc:Choice>
               <mc:Fallback>
-                <p:oleObj name="Visio" r:id="rId7" imgW="2419484" imgH="600016" progId="Visio.Drawing.11">
+                <p:oleObj name="Visio" r:id="rId6" imgW="2419484" imgH="600016" progId="Visio.Drawing.11">
                   <p:embed/>
                   <p:pic>
                     <p:nvPicPr>
@@ -20582,7 +20601,7 @@
                       <p:nvPr/>
                     </p:nvPicPr>
                     <p:blipFill>
-                      <a:blip r:embed="rId8"/>
+                      <a:blip r:embed="rId7"/>
                       <a:srcRect/>
                       <a:stretch>
                         <a:fillRect/>
@@ -20630,12 +20649,12 @@
           <a:graphicData uri="http://schemas.openxmlformats.org/presentationml/2006/ole">
             <mc:AlternateContent xmlns:mc="http://schemas.openxmlformats.org/markup-compatibility/2006">
               <mc:Choice xmlns:v="urn:schemas-microsoft-com:vml" Requires="v">
-                <p:oleObj spid="_x0000_s16445" name="Visio" r:id="rId9" imgW="4286521" imgH="990723" progId="Visio.Drawing.11">
+                <p:oleObj name="Visio" r:id="rId8" imgW="4286521" imgH="990723" progId="Visio.Drawing.11">
                   <p:embed/>
                 </p:oleObj>
               </mc:Choice>
               <mc:Fallback>
-                <p:oleObj name="Visio" r:id="rId9" imgW="4286521" imgH="990723" progId="Visio.Drawing.11">
+                <p:oleObj name="Visio" r:id="rId8" imgW="4286521" imgH="990723" progId="Visio.Drawing.11">
                   <p:embed/>
                   <p:pic>
                     <p:nvPicPr>
@@ -20652,7 +20671,7 @@
                       <p:nvPr/>
                     </p:nvPicPr>
                     <p:blipFill>
-                      <a:blip r:embed="rId10"/>
+                      <a:blip r:embed="rId9"/>
                       <a:srcRect/>
                       <a:stretch>
                         <a:fillRect/>
@@ -22915,12 +22934,12 @@
           <a:graphicData uri="http://schemas.openxmlformats.org/presentationml/2006/ole">
             <mc:AlternateContent xmlns:mc="http://schemas.openxmlformats.org/markup-compatibility/2006">
               <mc:Choice xmlns:v="urn:schemas-microsoft-com:vml" Requires="v">
-                <p:oleObj spid="_x0000_s17438" name="Visio" r:id="rId3" imgW="4238519" imgH="1200454" progId="Visio.Drawing.11">
+                <p:oleObj name="Visio" r:id="rId2" imgW="4238519" imgH="1200454" progId="Visio.Drawing.11">
                   <p:embed/>
                 </p:oleObj>
               </mc:Choice>
               <mc:Fallback>
-                <p:oleObj name="Visio" r:id="rId3" imgW="4238519" imgH="1200454" progId="Visio.Drawing.11">
+                <p:oleObj name="Visio" r:id="rId2" imgW="4238519" imgH="1200454" progId="Visio.Drawing.11">
                   <p:embed/>
                   <p:pic>
                     <p:nvPicPr>
@@ -22931,7 +22950,7 @@
                       <p:nvPr/>
                     </p:nvPicPr>
                     <p:blipFill>
-                      <a:blip r:embed="rId4"/>
+                      <a:blip r:embed="rId3"/>
                       <a:srcRect/>
                       <a:stretch>
                         <a:fillRect/>
@@ -22992,12 +23011,12 @@
           <a:graphicData uri="http://schemas.openxmlformats.org/presentationml/2006/ole">
             <mc:AlternateContent xmlns:mc="http://schemas.openxmlformats.org/markup-compatibility/2006">
               <mc:Choice xmlns:v="urn:schemas-microsoft-com:vml" Requires="v">
-                <p:oleObj spid="_x0000_s17439" name="Visio" r:id="rId5" imgW="5019609" imgH="2333676" progId="Visio.Drawing.11">
+                <p:oleObj name="Visio" r:id="rId4" imgW="5019609" imgH="2333676" progId="Visio.Drawing.11">
                   <p:embed/>
                 </p:oleObj>
               </mc:Choice>
               <mc:Fallback>
-                <p:oleObj name="Visio" r:id="rId5" imgW="5019609" imgH="2333676" progId="Visio.Drawing.11">
+                <p:oleObj name="Visio" r:id="rId4" imgW="5019609" imgH="2333676" progId="Visio.Drawing.11">
                   <p:embed/>
                   <p:pic>
                     <p:nvPicPr>
@@ -23008,7 +23027,7 @@
                       <p:nvPr/>
                     </p:nvPicPr>
                     <p:blipFill>
-                      <a:blip r:embed="rId6"/>
+                      <a:blip r:embed="rId5"/>
                       <a:srcRect/>
                       <a:stretch>
                         <a:fillRect/>
@@ -23136,12 +23155,12 @@
           <a:graphicData uri="http://schemas.openxmlformats.org/presentationml/2006/ole">
             <mc:AlternateContent xmlns:mc="http://schemas.openxmlformats.org/markup-compatibility/2006">
               <mc:Choice xmlns:v="urn:schemas-microsoft-com:vml" Requires="v">
-                <p:oleObj spid="_x0000_s18462" name="Visio" r:id="rId3" imgW="4848232" imgH="4010252" progId="Visio.Drawing.11">
+                <p:oleObj name="Visio" r:id="rId2" imgW="4848232" imgH="4010252" progId="Visio.Drawing.11">
                   <p:embed/>
                 </p:oleObj>
               </mc:Choice>
               <mc:Fallback>
-                <p:oleObj name="Visio" r:id="rId3" imgW="4848232" imgH="4010252" progId="Visio.Drawing.11">
+                <p:oleObj name="Visio" r:id="rId2" imgW="4848232" imgH="4010252" progId="Visio.Drawing.11">
                   <p:embed/>
                   <p:pic>
                     <p:nvPicPr>
@@ -23152,7 +23171,7 @@
                       <p:nvPr/>
                     </p:nvPicPr>
                     <p:blipFill>
-                      <a:blip r:embed="rId4"/>
+                      <a:blip r:embed="rId3"/>
                       <a:srcRect/>
                       <a:stretch>
                         <a:fillRect/>
@@ -23400,12 +23419,12 @@
           <a:graphicData uri="http://schemas.openxmlformats.org/presentationml/2006/ole">
             <mc:AlternateContent xmlns:mc="http://schemas.openxmlformats.org/markup-compatibility/2006">
               <mc:Choice xmlns:v="urn:schemas-microsoft-com:vml" Requires="v">
-                <p:oleObj spid="_x0000_s18463" name="Visio" r:id="rId5" imgW="637600" imgH="444041" progId="Visio.Drawing.11">
+                <p:oleObj name="Visio" r:id="rId4" imgW="637600" imgH="444041" progId="Visio.Drawing.11">
                   <p:embed/>
                 </p:oleObj>
               </mc:Choice>
               <mc:Fallback>
-                <p:oleObj name="Visio" r:id="rId5" imgW="637600" imgH="444041" progId="Visio.Drawing.11">
+                <p:oleObj name="Visio" r:id="rId4" imgW="637600" imgH="444041" progId="Visio.Drawing.11">
                   <p:embed/>
                   <p:pic>
                     <p:nvPicPr>
@@ -23416,7 +23435,7 @@
                       <p:nvPr/>
                     </p:nvPicPr>
                     <p:blipFill>
-                      <a:blip r:embed="rId6">
+                      <a:blip r:embed="rId5">
                         <a:extLst>
                           <a:ext uri="{28A0092B-C50C-407E-A947-70E740481C1C}">
                             <a14:useLocalDpi xmlns:a14="http://schemas.microsoft.com/office/drawing/2010/main" val="0"/>
@@ -24977,7 +24996,7 @@
           <p:nvPr/>
         </p:nvPicPr>
         <p:blipFill>
-          <a:blip r:embed="rId3">
+          <a:blip r:embed="rId2">
             <a:extLst>
               <a:ext uri="{28A0092B-C50C-407E-A947-70E740481C1C}">
                 <a14:useLocalDpi xmlns:a14="http://schemas.microsoft.com/office/drawing/2010/main" val="0"/>
@@ -25038,12 +25057,12 @@
           <a:graphicData uri="http://schemas.openxmlformats.org/presentationml/2006/ole">
             <mc:AlternateContent xmlns:mc="http://schemas.openxmlformats.org/markup-compatibility/2006">
               <mc:Choice xmlns:v="urn:schemas-microsoft-com:vml" Requires="v">
-                <p:oleObj spid="_x0000_s19458" name="Visio" r:id="rId4" imgW="3130504" imgH="1233866" progId="Visio.Drawing.11">
+                <p:oleObj name="Visio" r:id="rId3" imgW="3130504" imgH="1233866" progId="Visio.Drawing.11">
                   <p:embed/>
                 </p:oleObj>
               </mc:Choice>
               <mc:Fallback>
-                <p:oleObj name="Visio" r:id="rId4" imgW="3130504" imgH="1233866" progId="Visio.Drawing.11">
+                <p:oleObj name="Visio" r:id="rId3" imgW="3130504" imgH="1233866" progId="Visio.Drawing.11">
                   <p:embed/>
                   <p:pic>
                     <p:nvPicPr>
@@ -25054,7 +25073,7 @@
                       <p:nvPr/>
                     </p:nvPicPr>
                     <p:blipFill>
-                      <a:blip r:embed="rId5">
+                      <a:blip r:embed="rId4">
                         <a:extLst>
                           <a:ext uri="{28A0092B-C50C-407E-A947-70E740481C1C}">
                             <a14:useLocalDpi xmlns:a14="http://schemas.microsoft.com/office/drawing/2010/main" val="0"/>
@@ -25488,7 +25507,7 @@
           <p:nvPr/>
         </p:nvPicPr>
         <p:blipFill>
-          <a:blip r:embed="rId6">
+          <a:blip r:embed="rId5">
             <a:extLst>
               <a:ext uri="{28A0092B-C50C-407E-A947-70E740481C1C}">
                 <a14:useLocalDpi xmlns:a14="http://schemas.microsoft.com/office/drawing/2010/main" val="0"/>
@@ -25736,12 +25755,12 @@
           <a:graphicData uri="http://schemas.openxmlformats.org/presentationml/2006/ole">
             <mc:AlternateContent xmlns:mc="http://schemas.openxmlformats.org/markup-compatibility/2006">
               <mc:Choice xmlns:v="urn:schemas-microsoft-com:vml" Requires="v">
-                <p:oleObj spid="_x0000_s19459" name="Visio" r:id="rId7" imgW="2737740" imgH="1053821" progId="Visio.Drawing.11">
+                <p:oleObj name="Visio" r:id="rId6" imgW="2737740" imgH="1053821" progId="Visio.Drawing.11">
                   <p:embed/>
                 </p:oleObj>
               </mc:Choice>
               <mc:Fallback>
-                <p:oleObj name="Visio" r:id="rId7" imgW="2737740" imgH="1053821" progId="Visio.Drawing.11">
+                <p:oleObj name="Visio" r:id="rId6" imgW="2737740" imgH="1053821" progId="Visio.Drawing.11">
                   <p:embed/>
                   <p:pic>
                     <p:nvPicPr>
@@ -25752,7 +25771,7 @@
                       <p:nvPr/>
                     </p:nvPicPr>
                     <p:blipFill>
-                      <a:blip r:embed="rId8">
+                      <a:blip r:embed="rId7">
                         <a:extLst>
                           <a:ext uri="{28A0092B-C50C-407E-A947-70E740481C1C}">
                             <a14:useLocalDpi xmlns:a14="http://schemas.microsoft.com/office/drawing/2010/main" val="0"/>
@@ -26072,7 +26091,7 @@
           <p:nvPr/>
         </p:nvPicPr>
         <p:blipFill>
-          <a:blip r:embed="rId3">
+          <a:blip r:embed="rId2">
             <a:extLst>
               <a:ext uri="{28A0092B-C50C-407E-A947-70E740481C1C}">
                 <a14:useLocalDpi xmlns:a14="http://schemas.microsoft.com/office/drawing/2010/main" val="0"/>
@@ -26133,12 +26152,12 @@
           <a:graphicData uri="http://schemas.openxmlformats.org/presentationml/2006/ole">
             <mc:AlternateContent xmlns:mc="http://schemas.openxmlformats.org/markup-compatibility/2006">
               <mc:Choice xmlns:v="urn:schemas-microsoft-com:vml" Requires="v">
-                <p:oleObj spid="_x0000_s20482" name="Visio" r:id="rId4" imgW="2021047" imgH="688061" progId="Visio.Drawing.11">
+                <p:oleObj name="Visio" r:id="rId3" imgW="2021047" imgH="688061" progId="Visio.Drawing.11">
                   <p:embed/>
                 </p:oleObj>
               </mc:Choice>
               <mc:Fallback>
-                <p:oleObj name="Visio" r:id="rId4" imgW="2021047" imgH="688061" progId="Visio.Drawing.11">
+                <p:oleObj name="Visio" r:id="rId3" imgW="2021047" imgH="688061" progId="Visio.Drawing.11">
                   <p:embed/>
                   <p:pic>
                     <p:nvPicPr>
@@ -26149,7 +26168,7 @@
                       <p:nvPr/>
                     </p:nvPicPr>
                     <p:blipFill>
-                      <a:blip r:embed="rId5">
+                      <a:blip r:embed="rId4">
                         <a:extLst>
                           <a:ext uri="{28A0092B-C50C-407E-A947-70E740481C1C}">
                             <a14:useLocalDpi xmlns:a14="http://schemas.microsoft.com/office/drawing/2010/main" val="0"/>
@@ -26403,12 +26422,12 @@
           <a:graphicData uri="http://schemas.openxmlformats.org/presentationml/2006/ole">
             <mc:AlternateContent xmlns:mc="http://schemas.openxmlformats.org/markup-compatibility/2006">
               <mc:Choice xmlns:v="urn:schemas-microsoft-com:vml" Requires="v">
-                <p:oleObj spid="_x0000_s20483" name="Visio" r:id="rId6" imgW="2878919" imgH="1401495" progId="Visio.Drawing.11">
+                <p:oleObj name="Visio" r:id="rId5" imgW="2878919" imgH="1401495" progId="Visio.Drawing.11">
                   <p:embed/>
                 </p:oleObj>
               </mc:Choice>
               <mc:Fallback>
-                <p:oleObj name="Visio" r:id="rId6" imgW="2878919" imgH="1401495" progId="Visio.Drawing.11">
+                <p:oleObj name="Visio" r:id="rId5" imgW="2878919" imgH="1401495" progId="Visio.Drawing.11">
                   <p:embed/>
                   <p:pic>
                     <p:nvPicPr>
@@ -26419,7 +26438,7 @@
                       <p:nvPr/>
                     </p:nvPicPr>
                     <p:blipFill>
-                      <a:blip r:embed="rId7">
+                      <a:blip r:embed="rId6">
                         <a:extLst>
                           <a:ext uri="{28A0092B-C50C-407E-A947-70E740481C1C}">
                             <a14:useLocalDpi xmlns:a14="http://schemas.microsoft.com/office/drawing/2010/main" val="0"/>
@@ -27577,12 +27596,12 @@
           <a:graphicData uri="http://schemas.openxmlformats.org/presentationml/2006/ole">
             <mc:AlternateContent xmlns:mc="http://schemas.openxmlformats.org/markup-compatibility/2006">
               <mc:Choice xmlns:v="urn:schemas-microsoft-com:vml" Requires="v">
-                <p:oleObj spid="_x0000_s21506" name="Visio" r:id="rId3" imgW="3884989" imgH="1403655" progId="Visio.Drawing.11">
+                <p:oleObj name="Visio" r:id="rId2" imgW="3884989" imgH="1403655" progId="Visio.Drawing.11">
                   <p:embed/>
                 </p:oleObj>
               </mc:Choice>
               <mc:Fallback>
-                <p:oleObj name="Visio" r:id="rId3" imgW="3884989" imgH="1403655" progId="Visio.Drawing.11">
+                <p:oleObj name="Visio" r:id="rId2" imgW="3884989" imgH="1403655" progId="Visio.Drawing.11">
                   <p:embed/>
                   <p:pic>
                     <p:nvPicPr>
@@ -27593,7 +27612,7 @@
                       <p:nvPr/>
                     </p:nvPicPr>
                     <p:blipFill>
-                      <a:blip r:embed="rId4">
+                      <a:blip r:embed="rId3">
                         <a:extLst>
                           <a:ext uri="{28A0092B-C50C-407E-A947-70E740481C1C}">
                             <a14:useLocalDpi xmlns:a14="http://schemas.microsoft.com/office/drawing/2010/main" val="0"/>
@@ -27660,12 +27679,12 @@
           <a:graphicData uri="http://schemas.openxmlformats.org/presentationml/2006/ole">
             <mc:AlternateContent xmlns:mc="http://schemas.openxmlformats.org/markup-compatibility/2006">
               <mc:Choice xmlns:v="urn:schemas-microsoft-com:vml" Requires="v">
-                <p:oleObj spid="_x0000_s21507" name="Visio" r:id="rId5" imgW="2197589" imgH="1419581" progId="Visio.Drawing.11">
+                <p:oleObj name="Visio" r:id="rId4" imgW="2197589" imgH="1419581" progId="Visio.Drawing.11">
                   <p:embed/>
                 </p:oleObj>
               </mc:Choice>
               <mc:Fallback>
-                <p:oleObj name="Visio" r:id="rId5" imgW="2197589" imgH="1419581" progId="Visio.Drawing.11">
+                <p:oleObj name="Visio" r:id="rId4" imgW="2197589" imgH="1419581" progId="Visio.Drawing.11">
                   <p:embed/>
                   <p:pic>
                     <p:nvPicPr>
@@ -27676,7 +27695,7 @@
                       <p:nvPr/>
                     </p:nvPicPr>
                     <p:blipFill>
-                      <a:blip r:embed="rId6">
+                      <a:blip r:embed="rId5">
                         <a:extLst>
                           <a:ext uri="{28A0092B-C50C-407E-A947-70E740481C1C}">
                             <a14:useLocalDpi xmlns:a14="http://schemas.microsoft.com/office/drawing/2010/main" val="0"/>
@@ -28861,12 +28880,12 @@
           <a:graphicData uri="http://schemas.openxmlformats.org/presentationml/2006/ole">
             <mc:AlternateContent xmlns:mc="http://schemas.openxmlformats.org/markup-compatibility/2006">
               <mc:Choice xmlns:v="urn:schemas-microsoft-com:vml" Requires="v">
-                <p:oleObj spid="_x0000_s22530" name="Visio" r:id="rId3" imgW="5310277" imgH="1400955" progId="Visio.Drawing.11">
+                <p:oleObj name="Visio" r:id="rId2" imgW="5310277" imgH="1400955" progId="Visio.Drawing.11">
                   <p:embed/>
                 </p:oleObj>
               </mc:Choice>
               <mc:Fallback>
-                <p:oleObj name="Visio" r:id="rId3" imgW="5310277" imgH="1400955" progId="Visio.Drawing.11">
+                <p:oleObj name="Visio" r:id="rId2" imgW="5310277" imgH="1400955" progId="Visio.Drawing.11">
                   <p:embed/>
                   <p:pic>
                     <p:nvPicPr>
@@ -28877,7 +28896,7 @@
                       <p:nvPr/>
                     </p:nvPicPr>
                     <p:blipFill>
-                      <a:blip r:embed="rId4">
+                      <a:blip r:embed="rId3">
                         <a:extLst>
                           <a:ext uri="{28A0092B-C50C-407E-A947-70E740481C1C}">
                             <a14:useLocalDpi xmlns:a14="http://schemas.microsoft.com/office/drawing/2010/main" val="0"/>
@@ -29693,12 +29712,12 @@
           <a:graphicData uri="http://schemas.openxmlformats.org/presentationml/2006/ole">
             <mc:AlternateContent xmlns:mc="http://schemas.openxmlformats.org/markup-compatibility/2006">
               <mc:Choice xmlns:v="urn:schemas-microsoft-com:vml" Requires="v">
-                <p:oleObj spid="_x0000_s23554" name="Visio" r:id="rId3" imgW="5645543" imgH="726121" progId="Visio.Drawing.11">
+                <p:oleObj name="Visio" r:id="rId2" imgW="5645543" imgH="726121" progId="Visio.Drawing.11">
                   <p:embed/>
                 </p:oleObj>
               </mc:Choice>
               <mc:Fallback>
-                <p:oleObj name="Visio" r:id="rId3" imgW="5645543" imgH="726121" progId="Visio.Drawing.11">
+                <p:oleObj name="Visio" r:id="rId2" imgW="5645543" imgH="726121" progId="Visio.Drawing.11">
                   <p:embed/>
                   <p:pic>
                     <p:nvPicPr>
@@ -29709,7 +29728,7 @@
                       <p:nvPr/>
                     </p:nvPicPr>
                     <p:blipFill>
-                      <a:blip r:embed="rId4">
+                      <a:blip r:embed="rId3">
                         <a:extLst>
                           <a:ext uri="{28A0092B-C50C-407E-A947-70E740481C1C}">
                             <a14:useLocalDpi xmlns:a14="http://schemas.microsoft.com/office/drawing/2010/main" val="0"/>
@@ -30075,7 +30094,7 @@
           <p:nvPr/>
         </p:nvPicPr>
         <p:blipFill>
-          <a:blip r:embed="rId3">
+          <a:blip r:embed="rId2">
             <a:extLst>
               <a:ext uri="{28A0092B-C50C-407E-A947-70E740481C1C}">
                 <a14:useLocalDpi xmlns:a14="http://schemas.microsoft.com/office/drawing/2010/main" val="0"/>
@@ -30136,12 +30155,12 @@
           <a:graphicData uri="http://schemas.openxmlformats.org/presentationml/2006/ole">
             <mc:AlternateContent xmlns:mc="http://schemas.openxmlformats.org/markup-compatibility/2006">
               <mc:Choice xmlns:v="urn:schemas-microsoft-com:vml" Requires="v">
-                <p:oleObj spid="_x0000_s24578" name="Visio" r:id="rId4" imgW="3884989" imgH="1059759" progId="Visio.Drawing.11">
+                <p:oleObj name="Visio" r:id="rId3" imgW="3884989" imgH="1059759" progId="Visio.Drawing.11">
                   <p:embed/>
                 </p:oleObj>
               </mc:Choice>
               <mc:Fallback>
-                <p:oleObj name="Visio" r:id="rId4" imgW="3884989" imgH="1059759" progId="Visio.Drawing.11">
+                <p:oleObj name="Visio" r:id="rId3" imgW="3884989" imgH="1059759" progId="Visio.Drawing.11">
                   <p:embed/>
                   <p:pic>
                     <p:nvPicPr>
@@ -30152,7 +30171,7 @@
                       <p:nvPr/>
                     </p:nvPicPr>
                     <p:blipFill>
-                      <a:blip r:embed="rId5">
+                      <a:blip r:embed="rId4">
                         <a:extLst>
                           <a:ext uri="{28A0092B-C50C-407E-A947-70E740481C1C}">
                             <a14:useLocalDpi xmlns:a14="http://schemas.microsoft.com/office/drawing/2010/main" val="0"/>
@@ -30365,12 +30384,12 @@
           <a:graphicData uri="http://schemas.openxmlformats.org/presentationml/2006/ole">
             <mc:AlternateContent xmlns:mc="http://schemas.openxmlformats.org/markup-compatibility/2006">
               <mc:Choice xmlns:v="urn:schemas-microsoft-com:vml" Requires="v">
-                <p:oleObj spid="_x0000_s24579" name="Visio" r:id="rId6" imgW="3195560" imgH="1053821" progId="Visio.Drawing.11">
+                <p:oleObj name="Visio" r:id="rId5" imgW="3195560" imgH="1053821" progId="Visio.Drawing.11">
                   <p:embed/>
                 </p:oleObj>
               </mc:Choice>
               <mc:Fallback>
-                <p:oleObj name="Visio" r:id="rId6" imgW="3195560" imgH="1053821" progId="Visio.Drawing.11">
+                <p:oleObj name="Visio" r:id="rId5" imgW="3195560" imgH="1053821" progId="Visio.Drawing.11">
                   <p:embed/>
                   <p:pic>
                     <p:nvPicPr>
@@ -30381,7 +30400,7 @@
                       <p:nvPr/>
                     </p:nvPicPr>
                     <p:blipFill>
-                      <a:blip r:embed="rId7">
+                      <a:blip r:embed="rId6">
                         <a:extLst>
                           <a:ext uri="{28A0092B-C50C-407E-A947-70E740481C1C}">
                             <a14:useLocalDpi xmlns:a14="http://schemas.microsoft.com/office/drawing/2010/main" val="0"/>
@@ -30794,12 +30813,12 @@
           <a:graphicData uri="http://schemas.openxmlformats.org/presentationml/2006/ole">
             <mc:AlternateContent xmlns:mc="http://schemas.openxmlformats.org/markup-compatibility/2006">
               <mc:Choice xmlns:v="urn:schemas-microsoft-com:vml" Requires="v">
-                <p:oleObj spid="_x0000_s25602" name="Visio" r:id="rId3" imgW="5393958" imgH="3748298" progId="Visio.Drawing.11">
+                <p:oleObj name="Visio" r:id="rId2" imgW="5393958" imgH="3748298" progId="Visio.Drawing.11">
                   <p:embed/>
                 </p:oleObj>
               </mc:Choice>
               <mc:Fallback>
-                <p:oleObj name="Visio" r:id="rId3" imgW="5393958" imgH="3748298" progId="Visio.Drawing.11">
+                <p:oleObj name="Visio" r:id="rId2" imgW="5393958" imgH="3748298" progId="Visio.Drawing.11">
                   <p:embed/>
                   <p:pic>
                     <p:nvPicPr>
@@ -30810,7 +30829,7 @@
                       <p:nvPr/>
                     </p:nvPicPr>
                     <p:blipFill>
-                      <a:blip r:embed="rId4">
+                      <a:blip r:embed="rId3">
                         <a:extLst>
                           <a:ext uri="{28A0092B-C50C-407E-A947-70E740481C1C}">
                             <a14:useLocalDpi xmlns:a14="http://schemas.microsoft.com/office/drawing/2010/main" val="0"/>
@@ -31054,12 +31073,12 @@
           <a:graphicData uri="http://schemas.openxmlformats.org/presentationml/2006/ole">
             <mc:AlternateContent xmlns:mc="http://schemas.openxmlformats.org/markup-compatibility/2006">
               <mc:Choice xmlns:v="urn:schemas-microsoft-com:vml" Requires="v">
-                <p:oleObj spid="_x0000_s25603" name="Visio" r:id="rId5" imgW="3817774" imgH="1117795" progId="Visio.Drawing.11">
+                <p:oleObj name="Visio" r:id="rId4" imgW="3817774" imgH="1117795" progId="Visio.Drawing.11">
                   <p:embed/>
                 </p:oleObj>
               </mc:Choice>
               <mc:Fallback>
-                <p:oleObj name="Visio" r:id="rId5" imgW="3817774" imgH="1117795" progId="Visio.Drawing.11">
+                <p:oleObj name="Visio" r:id="rId4" imgW="3817774" imgH="1117795" progId="Visio.Drawing.11">
                   <p:embed/>
                   <p:pic>
                     <p:nvPicPr>
@@ -31070,7 +31089,7 @@
                       <p:nvPr/>
                     </p:nvPicPr>
                     <p:blipFill>
-                      <a:blip r:embed="rId6">
+                      <a:blip r:embed="rId5">
                         <a:extLst>
                           <a:ext uri="{28A0092B-C50C-407E-A947-70E740481C1C}">
                             <a14:useLocalDpi xmlns:a14="http://schemas.microsoft.com/office/drawing/2010/main" val="0"/>
@@ -32560,12 +32579,12 @@
           <a:graphicData uri="http://schemas.openxmlformats.org/presentationml/2006/ole">
             <mc:AlternateContent xmlns:mc="http://schemas.openxmlformats.org/markup-compatibility/2006">
               <mc:Choice xmlns:v="urn:schemas-microsoft-com:vml" Requires="v">
-                <p:oleObj spid="_x0000_s26626" name="Visio" r:id="rId3" imgW="5343414" imgH="2162424" progId="Visio.Drawing.11">
+                <p:oleObj name="Visio" r:id="rId2" imgW="5343414" imgH="2162424" progId="Visio.Drawing.11">
                   <p:embed/>
                 </p:oleObj>
               </mc:Choice>
               <mc:Fallback>
-                <p:oleObj name="Visio" r:id="rId3" imgW="5343414" imgH="2162424" progId="Visio.Drawing.11">
+                <p:oleObj name="Visio" r:id="rId2" imgW="5343414" imgH="2162424" progId="Visio.Drawing.11">
                   <p:embed/>
                   <p:pic>
                     <p:nvPicPr>
@@ -32576,7 +32595,7 @@
                       <p:nvPr/>
                     </p:nvPicPr>
                     <p:blipFill>
-                      <a:blip r:embed="rId4"/>
+                      <a:blip r:embed="rId3"/>
                       <a:srcRect/>
                       <a:stretch>
                         <a:fillRect/>
@@ -32793,12 +32812,12 @@
           <a:graphicData uri="http://schemas.openxmlformats.org/presentationml/2006/ole">
             <mc:AlternateContent xmlns:mc="http://schemas.openxmlformats.org/markup-compatibility/2006">
               <mc:Choice xmlns:v="urn:schemas-microsoft-com:vml" Requires="v">
-                <p:oleObj spid="_x0000_s26627" name="Visio" r:id="rId5" imgW="4400632" imgH="504876" progId="Visio.Drawing.11">
+                <p:oleObj name="Visio" r:id="rId4" imgW="4400632" imgH="504876" progId="Visio.Drawing.11">
                   <p:embed/>
                 </p:oleObj>
               </mc:Choice>
               <mc:Fallback>
-                <p:oleObj name="Visio" r:id="rId5" imgW="4400632" imgH="504876" progId="Visio.Drawing.11">
+                <p:oleObj name="Visio" r:id="rId4" imgW="4400632" imgH="504876" progId="Visio.Drawing.11">
                   <p:embed/>
                   <p:pic>
                     <p:nvPicPr>
@@ -32809,7 +32828,7 @@
                       <p:nvPr/>
                     </p:nvPicPr>
                     <p:blipFill>
-                      <a:blip r:embed="rId6"/>
+                      <a:blip r:embed="rId5"/>
                       <a:srcRect/>
                       <a:stretch>
                         <a:fillRect/>
@@ -33082,12 +33101,12 @@
           <a:graphicData uri="http://schemas.openxmlformats.org/presentationml/2006/ole">
             <mc:AlternateContent xmlns:mc="http://schemas.openxmlformats.org/markup-compatibility/2006">
               <mc:Choice xmlns:v="urn:schemas-microsoft-com:vml" Requires="v">
-                <p:oleObj spid="_x0000_s27650" name="Visio" r:id="rId3" imgW="4676856" imgH="2333676" progId="Visio.Drawing.11">
+                <p:oleObj name="Visio" r:id="rId2" imgW="4676856" imgH="2333676" progId="Visio.Drawing.11">
                   <p:embed/>
                 </p:oleObj>
               </mc:Choice>
               <mc:Fallback>
-                <p:oleObj name="Visio" r:id="rId3" imgW="4676856" imgH="2333676" progId="Visio.Drawing.11">
+                <p:oleObj name="Visio" r:id="rId2" imgW="4676856" imgH="2333676" progId="Visio.Drawing.11">
                   <p:embed/>
                   <p:pic>
                     <p:nvPicPr>
@@ -33098,7 +33117,7 @@
                       <p:nvPr/>
                     </p:nvPicPr>
                     <p:blipFill>
-                      <a:blip r:embed="rId4"/>
+                      <a:blip r:embed="rId3"/>
                       <a:srcRect/>
                       <a:stretch>
                         <a:fillRect/>
